--- a/Documentação/Jornada do usuário/Apresentação1.pptx
+++ b/Documentação/Jornada do usuário/Apresentação1.pptx
@@ -104,6 +104,11 @@
       </a:defRPr>
     </a:lvl9pPr>
   </p:defaultTextStyle>
+  <p:extLst>
+    <p:ext uri="{EFAFB233-063F-42B5-8137-9DF3F51BA10A}">
+      <p15:sldGuideLst xmlns:p15="http://schemas.microsoft.com/office/powerpoint/2012/main"/>
+    </p:ext>
+  </p:extLst>
 </p:presentation>
 </file>
 
@@ -254,7 +259,7 @@
           <a:p>
             <a:fld id="{D34E44EC-D0CA-4959-B9CD-FC70E57815F0}" type="datetimeFigureOut">
               <a:rPr lang="pt-BR" smtClean="0"/>
-              <a:t>10/03/2020</a:t>
+              <a:t>21/04/2020</a:t>
             </a:fld>
             <a:endParaRPr lang="pt-BR"/>
           </a:p>
@@ -452,7 +457,7 @@
           <a:p>
             <a:fld id="{D34E44EC-D0CA-4959-B9CD-FC70E57815F0}" type="datetimeFigureOut">
               <a:rPr lang="pt-BR" smtClean="0"/>
-              <a:t>10/03/2020</a:t>
+              <a:t>21/04/2020</a:t>
             </a:fld>
             <a:endParaRPr lang="pt-BR"/>
           </a:p>
@@ -660,7 +665,7 @@
           <a:p>
             <a:fld id="{D34E44EC-D0CA-4959-B9CD-FC70E57815F0}" type="datetimeFigureOut">
               <a:rPr lang="pt-BR" smtClean="0"/>
-              <a:t>10/03/2020</a:t>
+              <a:t>21/04/2020</a:t>
             </a:fld>
             <a:endParaRPr lang="pt-BR"/>
           </a:p>
@@ -858,7 +863,7 @@
           <a:p>
             <a:fld id="{D34E44EC-D0CA-4959-B9CD-FC70E57815F0}" type="datetimeFigureOut">
               <a:rPr lang="pt-BR" smtClean="0"/>
-              <a:t>10/03/2020</a:t>
+              <a:t>21/04/2020</a:t>
             </a:fld>
             <a:endParaRPr lang="pt-BR"/>
           </a:p>
@@ -1133,7 +1138,7 @@
           <a:p>
             <a:fld id="{D34E44EC-D0CA-4959-B9CD-FC70E57815F0}" type="datetimeFigureOut">
               <a:rPr lang="pt-BR" smtClean="0"/>
-              <a:t>10/03/2020</a:t>
+              <a:t>21/04/2020</a:t>
             </a:fld>
             <a:endParaRPr lang="pt-BR"/>
           </a:p>
@@ -1398,7 +1403,7 @@
           <a:p>
             <a:fld id="{D34E44EC-D0CA-4959-B9CD-FC70E57815F0}" type="datetimeFigureOut">
               <a:rPr lang="pt-BR" smtClean="0"/>
-              <a:t>10/03/2020</a:t>
+              <a:t>21/04/2020</a:t>
             </a:fld>
             <a:endParaRPr lang="pt-BR"/>
           </a:p>
@@ -1810,7 +1815,7 @@
           <a:p>
             <a:fld id="{D34E44EC-D0CA-4959-B9CD-FC70E57815F0}" type="datetimeFigureOut">
               <a:rPr lang="pt-BR" smtClean="0"/>
-              <a:t>10/03/2020</a:t>
+              <a:t>21/04/2020</a:t>
             </a:fld>
             <a:endParaRPr lang="pt-BR"/>
           </a:p>
@@ -1951,7 +1956,7 @@
           <a:p>
             <a:fld id="{D34E44EC-D0CA-4959-B9CD-FC70E57815F0}" type="datetimeFigureOut">
               <a:rPr lang="pt-BR" smtClean="0"/>
-              <a:t>10/03/2020</a:t>
+              <a:t>21/04/2020</a:t>
             </a:fld>
             <a:endParaRPr lang="pt-BR"/>
           </a:p>
@@ -2064,7 +2069,7 @@
           <a:p>
             <a:fld id="{D34E44EC-D0CA-4959-B9CD-FC70E57815F0}" type="datetimeFigureOut">
               <a:rPr lang="pt-BR" smtClean="0"/>
-              <a:t>10/03/2020</a:t>
+              <a:t>21/04/2020</a:t>
             </a:fld>
             <a:endParaRPr lang="pt-BR"/>
           </a:p>
@@ -2375,7 +2380,7 @@
           <a:p>
             <a:fld id="{D34E44EC-D0CA-4959-B9CD-FC70E57815F0}" type="datetimeFigureOut">
               <a:rPr lang="pt-BR" smtClean="0"/>
-              <a:t>10/03/2020</a:t>
+              <a:t>21/04/2020</a:t>
             </a:fld>
             <a:endParaRPr lang="pt-BR"/>
           </a:p>
@@ -2663,7 +2668,7 @@
           <a:p>
             <a:fld id="{D34E44EC-D0CA-4959-B9CD-FC70E57815F0}" type="datetimeFigureOut">
               <a:rPr lang="pt-BR" smtClean="0"/>
-              <a:t>10/03/2020</a:t>
+              <a:t>21/04/2020</a:t>
             </a:fld>
             <a:endParaRPr lang="pt-BR"/>
           </a:p>
@@ -2904,7 +2909,7 @@
           <a:p>
             <a:fld id="{D34E44EC-D0CA-4959-B9CD-FC70E57815F0}" type="datetimeFigureOut">
               <a:rPr lang="pt-BR" smtClean="0"/>
-              <a:t>10/03/2020</a:t>
+              <a:t>21/04/2020</a:t>
             </a:fld>
             <a:endParaRPr lang="pt-BR"/>
           </a:p>
@@ -3749,10 +3754,10 @@
       </p:grpSp>
       <p:pic>
         <p:nvPicPr>
-          <p:cNvPr id="13" name="Imagem 12" descr="Uma imagem contendo relógio, desenho&#10;&#10;Descrição gerada automaticamente">
-            <a:extLst>
-              <a:ext uri="{FF2B5EF4-FFF2-40B4-BE49-F238E27FC236}">
-                <a16:creationId xmlns:a16="http://schemas.microsoft.com/office/drawing/2014/main" id="{6D393440-BBD6-4573-A902-01897136F128}"/>
+          <p:cNvPr id="21" name="Imagem 20" descr="Fundo preto com letras brancas&#10;&#10;Descrição gerada automaticamente">
+            <a:extLst>
+              <a:ext uri="{FF2B5EF4-FFF2-40B4-BE49-F238E27FC236}">
+                <a16:creationId xmlns:a16="http://schemas.microsoft.com/office/drawing/2014/main" id="{B7BA3991-940A-446A-9A54-3EB667D7535F}"/>
               </a:ext>
             </a:extLst>
           </p:cNvPr>
@@ -3763,42 +3768,6 @@
         </p:nvPicPr>
         <p:blipFill>
           <a:blip r:embed="rId3">
-            <a:extLst>
-              <a:ext uri="{28A0092B-C50C-407E-A947-70E740481C1C}">
-                <a14:useLocalDpi xmlns:a14="http://schemas.microsoft.com/office/drawing/2010/main" val="0"/>
-              </a:ext>
-            </a:extLst>
-          </a:blip>
-          <a:stretch>
-            <a:fillRect/>
-          </a:stretch>
-        </p:blipFill>
-        <p:spPr>
-          <a:xfrm>
-            <a:off x="7509602" y="3031434"/>
-            <a:ext cx="795131" cy="795131"/>
-          </a:xfrm>
-          <a:prstGeom prst="rect">
-            <a:avLst/>
-          </a:prstGeom>
-        </p:spPr>
-      </p:pic>
-      <p:pic>
-        <p:nvPicPr>
-          <p:cNvPr id="21" name="Imagem 20" descr="Fundo preto com letras brancas&#10;&#10;Descrição gerada automaticamente">
-            <a:extLst>
-              <a:ext uri="{FF2B5EF4-FFF2-40B4-BE49-F238E27FC236}">
-                <a16:creationId xmlns:a16="http://schemas.microsoft.com/office/drawing/2014/main" id="{B7BA3991-940A-446A-9A54-3EB667D7535F}"/>
-              </a:ext>
-            </a:extLst>
-          </p:cNvPr>
-          <p:cNvPicPr>
-            <a:picLocks noChangeAspect="1"/>
-          </p:cNvPicPr>
-          <p:nvPr/>
-        </p:nvPicPr>
-        <p:blipFill>
-          <a:blip r:embed="rId4">
             <a:extLst>
               <a:ext uri="{28A0092B-C50C-407E-A947-70E740481C1C}">
                 <a14:useLocalDpi xmlns:a14="http://schemas.microsoft.com/office/drawing/2010/main" val="0"/>
@@ -3937,7 +3906,7 @@
           <p:nvPr/>
         </p:nvPicPr>
         <p:blipFill>
-          <a:blip r:embed="rId4">
+          <a:blip r:embed="rId3">
             <a:extLst>
               <a:ext uri="{28A0092B-C50C-407E-A947-70E740481C1C}">
                 <a14:useLocalDpi xmlns:a14="http://schemas.microsoft.com/office/drawing/2010/main" val="0"/>
@@ -4076,7 +4045,7 @@
           <p:nvPr/>
         </p:nvPicPr>
         <p:blipFill>
-          <a:blip r:embed="rId5">
+          <a:blip r:embed="rId4">
             <a:extLst>
               <a:ext uri="{28A0092B-C50C-407E-A947-70E740481C1C}">
                 <a14:useLocalDpi xmlns:a14="http://schemas.microsoft.com/office/drawing/2010/main" val="0"/>
@@ -4089,7 +4058,7 @@
         </p:blipFill>
         <p:spPr>
           <a:xfrm>
-            <a:off x="3324358" y="3034053"/>
+            <a:off x="3310290" y="3034053"/>
             <a:ext cx="761498" cy="761498"/>
           </a:xfrm>
           <a:prstGeom prst="rect">
@@ -4112,7 +4081,7 @@
           <p:nvPr/>
         </p:nvPicPr>
         <p:blipFill>
-          <a:blip r:embed="rId5">
+          <a:blip r:embed="rId4">
             <a:extLst>
               <a:ext uri="{28A0092B-C50C-407E-A947-70E740481C1C}">
                 <a14:useLocalDpi xmlns:a14="http://schemas.microsoft.com/office/drawing/2010/main" val="0"/>
@@ -4147,8 +4116,8 @@
         </p:nvSpPr>
         <p:spPr>
           <a:xfrm>
-            <a:off x="7057319" y="3964281"/>
-            <a:ext cx="1843565" cy="775252"/>
+            <a:off x="6958843" y="3964281"/>
+            <a:ext cx="2194601" cy="775252"/>
           </a:xfrm>
           <a:prstGeom prst="roundRect">
             <a:avLst/>
@@ -4189,7 +4158,7 @@
                   <a:schemeClr val="tx1"/>
                 </a:solidFill>
               </a:rPr>
-              <a:t>Uma ótima alternativa</a:t>
+              <a:t>Unificação dos gamers em alguma plataforma</a:t>
             </a:r>
           </a:p>
         </p:txBody>
@@ -4209,7 +4178,7 @@
           <p:nvPr/>
         </p:nvPicPr>
         <p:blipFill>
-          <a:blip r:embed="rId4">
+          <a:blip r:embed="rId3">
             <a:extLst>
               <a:ext uri="{28A0092B-C50C-407E-A947-70E740481C1C}">
                 <a14:useLocalDpi xmlns:a14="http://schemas.microsoft.com/office/drawing/2010/main" val="0"/>
@@ -4311,7 +4280,7 @@
           <p:nvPr/>
         </p:nvPicPr>
         <p:blipFill>
-          <a:blip r:embed="rId6">
+          <a:blip r:embed="rId5">
             <a:extLst>
               <a:ext uri="{28A0092B-C50C-407E-A947-70E740481C1C}">
                 <a14:useLocalDpi xmlns:a14="http://schemas.microsoft.com/office/drawing/2010/main" val="0"/>
@@ -4445,7 +4414,7 @@
           <p:nvPr/>
         </p:nvPicPr>
         <p:blipFill>
-          <a:blip r:embed="rId4">
+          <a:blip r:embed="rId3">
             <a:extLst>
               <a:ext uri="{28A0092B-C50C-407E-A947-70E740481C1C}">
                 <a14:useLocalDpi xmlns:a14="http://schemas.microsoft.com/office/drawing/2010/main" val="0"/>
@@ -4586,6 +4555,153 @@
           </a:effectRef>
           <a:fontRef idx="minor">
             <a:schemeClr val="lt1"/>
+          </a:fontRef>
+        </p:style>
+        <p:txBody>
+          <a:bodyPr rtlCol="0" anchor="ctr"/>
+          <a:lstStyle/>
+          <a:p>
+            <a:pPr algn="ctr"/>
+            <a:endParaRPr lang="pt-BR"/>
+          </a:p>
+        </p:txBody>
+      </p:sp>
+      <p:pic>
+        <p:nvPicPr>
+          <p:cNvPr id="6" name="Gráfico 5">
+            <a:extLst>
+              <a:ext uri="{FF2B5EF4-FFF2-40B4-BE49-F238E27FC236}">
+                <a16:creationId xmlns:a16="http://schemas.microsoft.com/office/drawing/2014/main" id="{3A4FA14F-7415-4811-B733-98038CCC2E1A}"/>
+              </a:ext>
+            </a:extLst>
+          </p:cNvPr>
+          <p:cNvPicPr>
+            <a:picLocks noChangeAspect="1"/>
+          </p:cNvPicPr>
+          <p:nvPr/>
+        </p:nvPicPr>
+        <p:blipFill>
+          <a:blip r:embed="rId6">
+            <a:extLst>
+              <a:ext uri="{28A0092B-C50C-407E-A947-70E740481C1C}">
+                <a14:useLocalDpi xmlns:a14="http://schemas.microsoft.com/office/drawing/2010/main" val="0"/>
+              </a:ext>
+              <a:ext uri="{96DAC541-7B7A-43D3-8B79-37D633B846F1}">
+                <asvg:svgBlip xmlns:asvg="http://schemas.microsoft.com/office/drawing/2016/SVG/main" r:embed="rId7"/>
+              </a:ext>
+            </a:extLst>
+          </a:blip>
+          <a:stretch>
+            <a:fillRect/>
+          </a:stretch>
+        </p:blipFill>
+        <p:spPr>
+          <a:xfrm>
+            <a:off x="7708581" y="3016942"/>
+            <a:ext cx="761498" cy="761498"/>
+          </a:xfrm>
+          <a:prstGeom prst="rect">
+            <a:avLst/>
+          </a:prstGeom>
+        </p:spPr>
+      </p:pic>
+      <p:sp>
+        <p:nvSpPr>
+          <p:cNvPr id="18" name="Fluxograma: Conector 17">
+            <a:extLst>
+              <a:ext uri="{FF2B5EF4-FFF2-40B4-BE49-F238E27FC236}">
+                <a16:creationId xmlns:a16="http://schemas.microsoft.com/office/drawing/2014/main" id="{C50DFB97-D080-46BA-B064-18E169C55235}"/>
+              </a:ext>
+            </a:extLst>
+          </p:cNvPr>
+          <p:cNvSpPr/>
+          <p:nvPr/>
+        </p:nvSpPr>
+        <p:spPr>
+          <a:xfrm>
+            <a:off x="3324358" y="3070852"/>
+            <a:ext cx="710573" cy="688742"/>
+          </a:xfrm>
+          <a:prstGeom prst="flowChartConnector">
+            <a:avLst/>
+          </a:prstGeom>
+          <a:noFill/>
+          <a:ln w="9525" cap="flat" cmpd="sng" algn="ctr">
+            <a:solidFill>
+              <a:schemeClr val="dk1"/>
+            </a:solidFill>
+            <a:prstDash val="solid"/>
+            <a:round/>
+            <a:headEnd type="none" w="med" len="med"/>
+            <a:tailEnd type="none" w="med" len="med"/>
+          </a:ln>
+        </p:spPr>
+        <p:style>
+          <a:lnRef idx="0">
+            <a:scrgbClr r="0" g="0" b="0"/>
+          </a:lnRef>
+          <a:fillRef idx="0">
+            <a:scrgbClr r="0" g="0" b="0"/>
+          </a:fillRef>
+          <a:effectRef idx="0">
+            <a:scrgbClr r="0" g="0" b="0"/>
+          </a:effectRef>
+          <a:fontRef idx="minor">
+            <a:schemeClr val="dk1"/>
+          </a:fontRef>
+        </p:style>
+        <p:txBody>
+          <a:bodyPr rtlCol="0" anchor="ctr"/>
+          <a:lstStyle/>
+          <a:p>
+            <a:pPr algn="ctr"/>
+            <a:endParaRPr lang="pt-BR"/>
+          </a:p>
+        </p:txBody>
+      </p:sp>
+      <p:sp>
+        <p:nvSpPr>
+          <p:cNvPr id="46" name="Fluxograma: Conector 45">
+            <a:extLst>
+              <a:ext uri="{FF2B5EF4-FFF2-40B4-BE49-F238E27FC236}">
+                <a16:creationId xmlns:a16="http://schemas.microsoft.com/office/drawing/2014/main" id="{31705006-6E71-48BB-9B92-03A3034A5791}"/>
+              </a:ext>
+            </a:extLst>
+          </p:cNvPr>
+          <p:cNvSpPr/>
+          <p:nvPr/>
+        </p:nvSpPr>
+        <p:spPr>
+          <a:xfrm>
+            <a:off x="5513796" y="3054438"/>
+            <a:ext cx="685212" cy="688742"/>
+          </a:xfrm>
+          <a:prstGeom prst="flowChartConnector">
+            <a:avLst/>
+          </a:prstGeom>
+          <a:noFill/>
+          <a:ln w="9525" cap="flat" cmpd="sng" algn="ctr">
+            <a:solidFill>
+              <a:schemeClr val="dk1"/>
+            </a:solidFill>
+            <a:prstDash val="solid"/>
+            <a:round/>
+            <a:headEnd type="none" w="med" len="med"/>
+            <a:tailEnd type="none" w="med" len="med"/>
+          </a:ln>
+        </p:spPr>
+        <p:style>
+          <a:lnRef idx="0">
+            <a:scrgbClr r="0" g="0" b="0"/>
+          </a:lnRef>
+          <a:fillRef idx="0">
+            <a:scrgbClr r="0" g="0" b="0"/>
+          </a:fillRef>
+          <a:effectRef idx="0">
+            <a:scrgbClr r="0" g="0" b="0"/>
+          </a:effectRef>
+          <a:fontRef idx="minor">
+            <a:schemeClr val="dk1"/>
           </a:fontRef>
         </p:style>
         <p:txBody>
